--- a/Hackathon_PresentationTemplate.pptx
+++ b/Hackathon_PresentationTemplate.pptx
@@ -162,6 +162,65 @@
 </p:presentation>
 </file>
 
+<file path=ppt/changesInfos/changesInfo1.xml><?xml version="1.0" encoding="utf-8"?>
+<pc:chgInfo xmlns:a="http://schemas.openxmlformats.org/drawingml/2006/main" xmlns:r="http://schemas.openxmlformats.org/officeDocument/2006/relationships" xmlns:ac="http://schemas.microsoft.com/office/drawing/2013/main/command" xmlns:pc="http://schemas.microsoft.com/office/powerpoint/2013/main/command">
+  <pc:docChgLst>
+    <pc:chgData name="Pyrcz, Michael" userId="0efd8a38-3f8e-46fd-9886-7800c0196e80" providerId="ADAL" clId="{BEF10F25-9755-431E-8E6C-53414F5EAA25}"/>
+    <pc:docChg chg="modSld modMainMaster">
+      <pc:chgData name="Pyrcz, Michael" userId="0efd8a38-3f8e-46fd-9886-7800c0196e80" providerId="ADAL" clId="{BEF10F25-9755-431E-8E6C-53414F5EAA25}" dt="2022-03-23T21:53:13.452" v="177" actId="20577"/>
+      <pc:docMkLst>
+        <pc:docMk/>
+      </pc:docMkLst>
+      <pc:sldChg chg="modSp">
+        <pc:chgData name="Pyrcz, Michael" userId="0efd8a38-3f8e-46fd-9886-7800c0196e80" providerId="ADAL" clId="{BEF10F25-9755-431E-8E6C-53414F5EAA25}" dt="2022-03-23T21:51:21.760" v="15" actId="20577"/>
+        <pc:sldMkLst>
+          <pc:docMk/>
+          <pc:sldMk cId="0" sldId="263"/>
+        </pc:sldMkLst>
+        <pc:spChg chg="mod">
+          <ac:chgData name="Pyrcz, Michael" userId="0efd8a38-3f8e-46fd-9886-7800c0196e80" providerId="ADAL" clId="{BEF10F25-9755-431E-8E6C-53414F5EAA25}" dt="2022-03-23T21:51:21.760" v="15" actId="20577"/>
+          <ac:spMkLst>
+            <pc:docMk/>
+            <pc:sldMk cId="0" sldId="263"/>
+            <ac:spMk id="9" creationId="{C3CAC856-1BBB-45BD-8E9F-47D8B49C9EFA}"/>
+          </ac:spMkLst>
+        </pc:spChg>
+      </pc:sldChg>
+      <pc:sldChg chg="modSp">
+        <pc:chgData name="Pyrcz, Michael" userId="0efd8a38-3f8e-46fd-9886-7800c0196e80" providerId="ADAL" clId="{BEF10F25-9755-431E-8E6C-53414F5EAA25}" dt="2022-03-23T21:53:13.452" v="177" actId="20577"/>
+        <pc:sldMkLst>
+          <pc:docMk/>
+          <pc:sldMk cId="2036120476" sldId="267"/>
+        </pc:sldMkLst>
+        <pc:spChg chg="mod">
+          <ac:chgData name="Pyrcz, Michael" userId="0efd8a38-3f8e-46fd-9886-7800c0196e80" providerId="ADAL" clId="{BEF10F25-9755-431E-8E6C-53414F5EAA25}" dt="2022-03-23T21:53:13.452" v="177" actId="20577"/>
+          <ac:spMkLst>
+            <pc:docMk/>
+            <pc:sldMk cId="2036120476" sldId="267"/>
+            <ac:spMk id="9" creationId="{C3CAC856-1BBB-45BD-8E9F-47D8B49C9EFA}"/>
+          </ac:spMkLst>
+        </pc:spChg>
+      </pc:sldChg>
+      <pc:sldMasterChg chg="modSp">
+        <pc:chgData name="Pyrcz, Michael" userId="0efd8a38-3f8e-46fd-9886-7800c0196e80" providerId="ADAL" clId="{BEF10F25-9755-431E-8E6C-53414F5EAA25}" dt="2022-03-23T21:51:47.969" v="17" actId="20577"/>
+        <pc:sldMasterMkLst>
+          <pc:docMk/>
+          <pc:sldMasterMk cId="0" sldId="2147483648"/>
+        </pc:sldMasterMkLst>
+        <pc:spChg chg="mod">
+          <ac:chgData name="Pyrcz, Michael" userId="0efd8a38-3f8e-46fd-9886-7800c0196e80" providerId="ADAL" clId="{BEF10F25-9755-431E-8E6C-53414F5EAA25}" dt="2022-03-23T21:51:47.969" v="17" actId="20577"/>
+          <ac:spMkLst>
+            <pc:docMk/>
+            <pc:sldMasterMk cId="0" sldId="2147483648"/>
+            <ac:spMk id="3" creationId="{6647E0C5-B503-4AC3-9922-270730B29508}"/>
+          </ac:spMkLst>
+        </pc:spChg>
+      </pc:sldMasterChg>
+    </pc:docChg>
+  </pc:docChgLst>
+</pc:chgInfo>
+</file>
+
 <file path=ppt/notesMasters/notesMaster1.xml><?xml version="1.0" encoding="utf-8"?>
 <p:notesMaster xmlns:a="http://schemas.openxmlformats.org/drawingml/2006/main" xmlns:r="http://schemas.openxmlformats.org/officeDocument/2006/relationships" xmlns:p="http://schemas.openxmlformats.org/presentationml/2006/main">
   <p:cSld>
@@ -244,7 +303,7 @@
           <a:p>
             <a:fld id="{1F55A2F7-1CB2-9A4A-A317-46954273A428}" type="datetimeFigureOut">
               <a:rPr lang="en-US" smtClean="0"/>
-              <a:t>4/9/2021</a:t>
+              <a:t>3/23/2022</a:t>
             </a:fld>
             <a:endParaRPr lang="en-US"/>
           </a:p>
@@ -886,17 +945,17 @@
           <a:noFill/>
           <a:extLst>
             <a:ext uri="{FAA26D3D-D897-4be2-8F04-BA451C77F1D7}">
-              <ma14:placeholderFlag xmlns="" xmlns:ma14="http://schemas.microsoft.com/office/mac/drawingml/2011/main" val="1"/>
+              <ma14:placeholderFlag xmlns:ma14="http://schemas.microsoft.com/office/mac/drawingml/2011/main" xmlns="" val="1"/>
             </a:ext>
             <a:ext uri="{909E8E84-426E-40dd-AFC4-6F175D3DCCD1}">
-              <a14:hiddenFill xmlns:a14="http://schemas.microsoft.com/office/drawing/2010/main" xmlns="">
+              <a14:hiddenFill xmlns="" xmlns:a14="http://schemas.microsoft.com/office/drawing/2010/main">
                 <a:solidFill>
                   <a:srgbClr val="FFFFFF"/>
                 </a:solidFill>
               </a14:hiddenFill>
             </a:ext>
             <a:ext uri="{91240B29-F687-4f45-9708-019B960494DF}">
-              <a14:hiddenLine xmlns:a14="http://schemas.microsoft.com/office/drawing/2010/main" xmlns="" w="9525">
+              <a14:hiddenLine xmlns="" xmlns:a14="http://schemas.microsoft.com/office/drawing/2010/main" w="9525">
                 <a:solidFill>
                   <a:srgbClr val="000000"/>
                 </a:solidFill>
@@ -1038,17 +1097,17 @@
           <a:noFill/>
           <a:extLst>
             <a:ext uri="{FAA26D3D-D897-4be2-8F04-BA451C77F1D7}">
-              <ma14:placeholderFlag xmlns="" xmlns:ma14="http://schemas.microsoft.com/office/mac/drawingml/2011/main" val="1"/>
+              <ma14:placeholderFlag xmlns:ma14="http://schemas.microsoft.com/office/mac/drawingml/2011/main" xmlns="" val="1"/>
             </a:ext>
             <a:ext uri="{909E8E84-426E-40dd-AFC4-6F175D3DCCD1}">
-              <a14:hiddenFill xmlns:a14="http://schemas.microsoft.com/office/drawing/2010/main" xmlns="">
+              <a14:hiddenFill xmlns="" xmlns:a14="http://schemas.microsoft.com/office/drawing/2010/main">
                 <a:solidFill>
                   <a:srgbClr val="FFFFFF"/>
                 </a:solidFill>
               </a14:hiddenFill>
             </a:ext>
             <a:ext uri="{91240B29-F687-4f45-9708-019B960494DF}">
-              <a14:hiddenLine xmlns:a14="http://schemas.microsoft.com/office/drawing/2010/main" xmlns="" w="9525">
+              <a14:hiddenLine xmlns="" xmlns:a14="http://schemas.microsoft.com/office/drawing/2010/main" w="9525">
                 <a:solidFill>
                   <a:srgbClr val="000000"/>
                 </a:solidFill>
@@ -1189,17 +1248,17 @@
           <a:noFill/>
           <a:extLst>
             <a:ext uri="{FAA26D3D-D897-4be2-8F04-BA451C77F1D7}">
-              <ma14:placeholderFlag xmlns="" xmlns:ma14="http://schemas.microsoft.com/office/mac/drawingml/2011/main" val="1"/>
+              <ma14:placeholderFlag xmlns:ma14="http://schemas.microsoft.com/office/mac/drawingml/2011/main" xmlns="" val="1"/>
             </a:ext>
             <a:ext uri="{909E8E84-426E-40dd-AFC4-6F175D3DCCD1}">
-              <a14:hiddenFill xmlns:a14="http://schemas.microsoft.com/office/drawing/2010/main" xmlns="">
+              <a14:hiddenFill xmlns="" xmlns:a14="http://schemas.microsoft.com/office/drawing/2010/main">
                 <a:solidFill>
                   <a:srgbClr val="FFFFFF"/>
                 </a:solidFill>
               </a14:hiddenFill>
             </a:ext>
             <a:ext uri="{91240B29-F687-4f45-9708-019B960494DF}">
-              <a14:hiddenLine xmlns:a14="http://schemas.microsoft.com/office/drawing/2010/main" xmlns="" w="9525">
+              <a14:hiddenLine xmlns="" xmlns:a14="http://schemas.microsoft.com/office/drawing/2010/main" w="9525">
                 <a:solidFill>
                   <a:srgbClr val="000000"/>
                 </a:solidFill>
@@ -1478,14 +1537,14 @@
           </a:ln>
           <a:extLst>
             <a:ext uri="{909E8E84-426E-40dd-AFC4-6F175D3DCCD1}">
-              <a14:hiddenFill xmlns:a14="http://schemas.microsoft.com/office/drawing/2010/main" xmlns="">
+              <a14:hiddenFill xmlns="" xmlns:a14="http://schemas.microsoft.com/office/drawing/2010/main">
                 <a:solidFill>
                   <a:srgbClr val="FFFFFF"/>
                 </a:solidFill>
               </a14:hiddenFill>
             </a:ext>
             <a:ext uri="{91240B29-F687-4f45-9708-019B960494DF}">
-              <a14:hiddenLine xmlns:a14="http://schemas.microsoft.com/office/drawing/2010/main" xmlns="" w="9525">
+              <a14:hiddenLine xmlns="" xmlns:a14="http://schemas.microsoft.com/office/drawing/2010/main" w="9525">
                 <a:solidFill>
                   <a:srgbClr val="000000"/>
                 </a:solidFill>
@@ -1548,17 +1607,17 @@
           <a:noFill/>
           <a:extLst>
             <a:ext uri="{FAA26D3D-D897-4be2-8F04-BA451C77F1D7}">
-              <ma14:placeholderFlag xmlns="" xmlns:ma14="http://schemas.microsoft.com/office/mac/drawingml/2011/main" val="1"/>
+              <ma14:placeholderFlag xmlns:ma14="http://schemas.microsoft.com/office/mac/drawingml/2011/main" xmlns="" val="1"/>
             </a:ext>
             <a:ext uri="{909E8E84-426E-40dd-AFC4-6F175D3DCCD1}">
-              <a14:hiddenFill xmlns:a14="http://schemas.microsoft.com/office/drawing/2010/main" xmlns="">
+              <a14:hiddenFill xmlns="" xmlns:a14="http://schemas.microsoft.com/office/drawing/2010/main">
                 <a:solidFill>
                   <a:srgbClr val="FFFFFF"/>
                 </a:solidFill>
               </a14:hiddenFill>
             </a:ext>
             <a:ext uri="{91240B29-F687-4f45-9708-019B960494DF}">
-              <a14:hiddenLine xmlns:a14="http://schemas.microsoft.com/office/drawing/2010/main" xmlns="" w="9525">
+              <a14:hiddenLine xmlns="" xmlns:a14="http://schemas.microsoft.com/office/drawing/2010/main" w="9525">
                 <a:solidFill>
                   <a:srgbClr val="000000"/>
                 </a:solidFill>
@@ -1699,17 +1758,17 @@
           <a:noFill/>
           <a:extLst>
             <a:ext uri="{FAA26D3D-D897-4be2-8F04-BA451C77F1D7}">
-              <ma14:placeholderFlag xmlns="" xmlns:ma14="http://schemas.microsoft.com/office/mac/drawingml/2011/main" val="1"/>
+              <ma14:placeholderFlag xmlns:ma14="http://schemas.microsoft.com/office/mac/drawingml/2011/main" xmlns="" val="1"/>
             </a:ext>
             <a:ext uri="{909E8E84-426E-40dd-AFC4-6F175D3DCCD1}">
-              <a14:hiddenFill xmlns:a14="http://schemas.microsoft.com/office/drawing/2010/main" xmlns="">
+              <a14:hiddenFill xmlns="" xmlns:a14="http://schemas.microsoft.com/office/drawing/2010/main">
                 <a:solidFill>
                   <a:srgbClr val="FFFFFF"/>
                 </a:solidFill>
               </a14:hiddenFill>
             </a:ext>
             <a:ext uri="{91240B29-F687-4f45-9708-019B960494DF}">
-              <a14:hiddenLine xmlns:a14="http://schemas.microsoft.com/office/drawing/2010/main" xmlns="" w="9525">
+              <a14:hiddenLine xmlns="" xmlns:a14="http://schemas.microsoft.com/office/drawing/2010/main" w="9525">
                 <a:solidFill>
                   <a:srgbClr val="000000"/>
                 </a:solidFill>
@@ -1881,17 +1940,17 @@
           <a:noFill/>
           <a:extLst>
             <a:ext uri="{FAA26D3D-D897-4be2-8F04-BA451C77F1D7}">
-              <ma14:placeholderFlag xmlns="" xmlns:ma14="http://schemas.microsoft.com/office/mac/drawingml/2011/main" val="1"/>
+              <ma14:placeholderFlag xmlns:ma14="http://schemas.microsoft.com/office/mac/drawingml/2011/main" xmlns="" val="1"/>
             </a:ext>
             <a:ext uri="{909E8E84-426E-40dd-AFC4-6F175D3DCCD1}">
-              <a14:hiddenFill xmlns:a14="http://schemas.microsoft.com/office/drawing/2010/main" xmlns="">
+              <a14:hiddenFill xmlns="" xmlns:a14="http://schemas.microsoft.com/office/drawing/2010/main">
                 <a:solidFill>
                   <a:srgbClr val="FFFFFF"/>
                 </a:solidFill>
               </a14:hiddenFill>
             </a:ext>
             <a:ext uri="{91240B29-F687-4f45-9708-019B960494DF}">
-              <a14:hiddenLine xmlns:a14="http://schemas.microsoft.com/office/drawing/2010/main" xmlns="" w="9525">
+              <a14:hiddenLine xmlns="" xmlns:a14="http://schemas.microsoft.com/office/drawing/2010/main" w="9525">
                 <a:solidFill>
                   <a:srgbClr val="000000"/>
                 </a:solidFill>
@@ -2166,8 +2225,25 @@
                 <a:latin typeface="Arial" panose="020B0604020202020204" pitchFamily="34" charset="0"/>
                 <a:cs typeface="Arial" panose="020B0604020202020204" pitchFamily="34" charset="0"/>
               </a:rPr>
-              <a:t>Energy A.I. Hackathon 2021</a:t>
-            </a:r>
+              <a:t>Energy A.I. </a:t>
+            </a:r>
+            <a:r>
+              <a:rPr lang="en-US" sz="2800">
+                <a:solidFill>
+                  <a:schemeClr val="bg1"/>
+                </a:solidFill>
+                <a:latin typeface="Arial" panose="020B0604020202020204" pitchFamily="34" charset="0"/>
+                <a:cs typeface="Arial" panose="020B0604020202020204" pitchFamily="34" charset="0"/>
+              </a:rPr>
+              <a:t>Hackathon 2022</a:t>
+            </a:r>
+            <a:endParaRPr lang="en-US" sz="2800" dirty="0">
+              <a:solidFill>
+                <a:schemeClr val="bg1"/>
+              </a:solidFill>
+              <a:latin typeface="Arial" panose="020B0604020202020204" pitchFamily="34" charset="0"/>
+              <a:cs typeface="Arial" panose="020B0604020202020204" pitchFamily="34" charset="0"/>
+            </a:endParaRPr>
           </a:p>
         </p:txBody>
       </p:sp>
@@ -3061,26 +3137,30 @@
           <a:p>
             <a:pPr algn="ctr"/>
             <a:r>
-              <a:rPr lang="en-US" sz="1800" b="1" dirty="0">
+              <a:rPr lang="en-US" sz="1800" b="1">
                 <a:latin typeface="+mn-lt"/>
                 <a:cs typeface="Arial" panose="020B0604020202020204" pitchFamily="34" charset="0"/>
               </a:rPr>
-              <a:t>April 18</a:t>
-            </a:r>
-            <a:r>
-              <a:rPr lang="en-US" sz="1800" b="1" baseline="30000" dirty="0">
+              <a:t>March 27</a:t>
+            </a:r>
+            <a:r>
+              <a:rPr lang="en-US" sz="1800" b="1" baseline="30000">
                 <a:latin typeface="+mn-lt"/>
                 <a:cs typeface="Arial" panose="020B0604020202020204" pitchFamily="34" charset="0"/>
               </a:rPr>
               <a:t>th</a:t>
             </a:r>
             <a:r>
-              <a:rPr lang="en-US" sz="1800" b="1" dirty="0">
+              <a:rPr lang="en-US" sz="1800" b="1">
                 <a:latin typeface="+mn-lt"/>
                 <a:cs typeface="Arial" panose="020B0604020202020204" pitchFamily="34" charset="0"/>
               </a:rPr>
-              <a:t>, 2021</a:t>
-            </a:r>
+              <a:t>, 2022</a:t>
+            </a:r>
+            <a:endParaRPr lang="en-US" sz="1800" b="1" dirty="0">
+              <a:latin typeface="+mn-lt"/>
+              <a:cs typeface="Arial" panose="020B0604020202020204" pitchFamily="34" charset="0"/>
+            </a:endParaRPr>
           </a:p>
           <a:p>
             <a:pPr algn="ctr"/>
@@ -3632,7 +3712,7 @@
         <p:spPr>
           <a:xfrm>
             <a:off x="506027" y="857928"/>
-            <a:ext cx="8043169" cy="2369880"/>
+            <a:ext cx="8043169" cy="2677656"/>
           </a:xfrm>
           <a:prstGeom prst="rect">
             <a:avLst/>
@@ -3675,11 +3755,15 @@
                 <a:latin typeface="+mn-lt"/>
                 <a:cs typeface="Arial" panose="020B0604020202020204" pitchFamily="34" charset="0"/>
               </a:rPr>
-              <a:t>Present your estimation and uncertainty model predictions at the 10 preproduction wells. </a:t>
-            </a:r>
-          </a:p>
-          <a:p>
-            <a:pPr algn="ctr"/>
+              <a:t>Present </a:t>
+            </a:r>
+            <a:r>
+              <a:rPr lang="en-US" sz="2000" b="1">
+                <a:latin typeface="+mn-lt"/>
+                <a:cs typeface="Arial" panose="020B0604020202020204" pitchFamily="34" charset="0"/>
+              </a:rPr>
+              <a:t>your 3 infill well locations (location map) and predicted 2 year production for your wells. </a:t>
+            </a:r>
             <a:endParaRPr lang="en-US" sz="2000" b="1" dirty="0">
               <a:latin typeface="+mn-lt"/>
               <a:cs typeface="Arial" panose="020B0604020202020204" pitchFamily="34" charset="0"/>
@@ -3687,12 +3771,26 @@
           </a:p>
           <a:p>
             <a:pPr algn="ctr"/>
+            <a:endParaRPr lang="en-US" sz="2000" b="1" dirty="0">
+              <a:latin typeface="+mn-lt"/>
+              <a:cs typeface="Arial" panose="020B0604020202020204" pitchFamily="34" charset="0"/>
+            </a:endParaRPr>
+          </a:p>
+          <a:p>
+            <a:pPr algn="ctr"/>
             <a:r>
               <a:rPr lang="en-US" sz="2000" b="1" dirty="0">
                 <a:latin typeface="+mn-lt"/>
                 <a:cs typeface="Arial" panose="020B0604020202020204" pitchFamily="34" charset="0"/>
               </a:rPr>
-              <a:t>Use table / map / distributions to communicate the model predictions.</a:t>
+              <a:t>Use table / map / distributions to communicate the </a:t>
+            </a:r>
+            <a:r>
+              <a:rPr lang="en-US" sz="2000" b="1">
+                <a:latin typeface="+mn-lt"/>
+                <a:cs typeface="Arial" panose="020B0604020202020204" pitchFamily="34" charset="0"/>
+              </a:rPr>
+              <a:t>model predictions, modeling tuning etc.</a:t>
             </a:r>
             <a:endParaRPr lang="en-US" sz="1800" b="1" dirty="0">
               <a:latin typeface="+mn-lt"/>

--- a/Hackathon_PresentationTemplate.pptx
+++ b/Hackathon_PresentationTemplate.pptx
@@ -165,20 +165,20 @@
 <file path=ppt/changesInfos/changesInfo1.xml><?xml version="1.0" encoding="utf-8"?>
 <pc:chgInfo xmlns:a="http://schemas.openxmlformats.org/drawingml/2006/main" xmlns:r="http://schemas.openxmlformats.org/officeDocument/2006/relationships" xmlns:ac="http://schemas.microsoft.com/office/drawing/2013/main/command" xmlns:pc="http://schemas.microsoft.com/office/powerpoint/2013/main/command">
   <pc:docChgLst>
-    <pc:chgData name="Pyrcz, Michael" userId="0efd8a38-3f8e-46fd-9886-7800c0196e80" providerId="ADAL" clId="{BEF10F25-9755-431E-8E6C-53414F5EAA25}"/>
-    <pc:docChg chg="modSld modMainMaster">
-      <pc:chgData name="Pyrcz, Michael" userId="0efd8a38-3f8e-46fd-9886-7800c0196e80" providerId="ADAL" clId="{BEF10F25-9755-431E-8E6C-53414F5EAA25}" dt="2022-03-23T21:53:13.452" v="177" actId="20577"/>
+    <pc:chgData name="Pyrcz, Michael" userId="0efd8a38-3f8e-46fd-9886-7800c0196e80" providerId="ADAL" clId="{13E7FD69-2399-4103-8E19-1A4A7BF40878}"/>
+    <pc:docChg chg="undo modSld modMainMaster">
+      <pc:chgData name="Pyrcz, Michael" userId="0efd8a38-3f8e-46fd-9886-7800c0196e80" providerId="ADAL" clId="{13E7FD69-2399-4103-8E19-1A4A7BF40878}" dt="2023-01-19T18:48:34.331" v="287" actId="20577"/>
       <pc:docMkLst>
         <pc:docMk/>
       </pc:docMkLst>
       <pc:sldChg chg="modSp">
-        <pc:chgData name="Pyrcz, Michael" userId="0efd8a38-3f8e-46fd-9886-7800c0196e80" providerId="ADAL" clId="{BEF10F25-9755-431E-8E6C-53414F5EAA25}" dt="2022-03-23T21:51:21.760" v="15" actId="20577"/>
+        <pc:chgData name="Pyrcz, Michael" userId="0efd8a38-3f8e-46fd-9886-7800c0196e80" providerId="ADAL" clId="{13E7FD69-2399-4103-8E19-1A4A7BF40878}" dt="2023-01-19T18:44:45.963" v="37" actId="20577"/>
         <pc:sldMkLst>
           <pc:docMk/>
           <pc:sldMk cId="0" sldId="263"/>
         </pc:sldMkLst>
         <pc:spChg chg="mod">
-          <ac:chgData name="Pyrcz, Michael" userId="0efd8a38-3f8e-46fd-9886-7800c0196e80" providerId="ADAL" clId="{BEF10F25-9755-431E-8E6C-53414F5EAA25}" dt="2022-03-23T21:51:21.760" v="15" actId="20577"/>
+          <ac:chgData name="Pyrcz, Michael" userId="0efd8a38-3f8e-46fd-9886-7800c0196e80" providerId="ADAL" clId="{13E7FD69-2399-4103-8E19-1A4A7BF40878}" dt="2023-01-19T18:44:45.963" v="37" actId="20577"/>
           <ac:spMkLst>
             <pc:docMk/>
             <pc:sldMk cId="0" sldId="263"/>
@@ -187,13 +187,13 @@
         </pc:spChg>
       </pc:sldChg>
       <pc:sldChg chg="modSp">
-        <pc:chgData name="Pyrcz, Michael" userId="0efd8a38-3f8e-46fd-9886-7800c0196e80" providerId="ADAL" clId="{BEF10F25-9755-431E-8E6C-53414F5EAA25}" dt="2022-03-23T21:53:13.452" v="177" actId="20577"/>
+        <pc:chgData name="Pyrcz, Michael" userId="0efd8a38-3f8e-46fd-9886-7800c0196e80" providerId="ADAL" clId="{13E7FD69-2399-4103-8E19-1A4A7BF40878}" dt="2023-01-19T18:48:34.331" v="287" actId="20577"/>
         <pc:sldMkLst>
           <pc:docMk/>
           <pc:sldMk cId="2036120476" sldId="267"/>
         </pc:sldMkLst>
         <pc:spChg chg="mod">
-          <ac:chgData name="Pyrcz, Michael" userId="0efd8a38-3f8e-46fd-9886-7800c0196e80" providerId="ADAL" clId="{BEF10F25-9755-431E-8E6C-53414F5EAA25}" dt="2022-03-23T21:53:13.452" v="177" actId="20577"/>
+          <ac:chgData name="Pyrcz, Michael" userId="0efd8a38-3f8e-46fd-9886-7800c0196e80" providerId="ADAL" clId="{13E7FD69-2399-4103-8E19-1A4A7BF40878}" dt="2023-01-19T18:48:34.331" v="287" actId="20577"/>
           <ac:spMkLst>
             <pc:docMk/>
             <pc:sldMk cId="2036120476" sldId="267"/>
@@ -202,13 +202,13 @@
         </pc:spChg>
       </pc:sldChg>
       <pc:sldMasterChg chg="modSp">
-        <pc:chgData name="Pyrcz, Michael" userId="0efd8a38-3f8e-46fd-9886-7800c0196e80" providerId="ADAL" clId="{BEF10F25-9755-431E-8E6C-53414F5EAA25}" dt="2022-03-23T21:51:47.969" v="17" actId="20577"/>
+        <pc:chgData name="Pyrcz, Michael" userId="0efd8a38-3f8e-46fd-9886-7800c0196e80" providerId="ADAL" clId="{13E7FD69-2399-4103-8E19-1A4A7BF40878}" dt="2023-01-19T18:45:22.012" v="39" actId="20577"/>
         <pc:sldMasterMkLst>
           <pc:docMk/>
           <pc:sldMasterMk cId="0" sldId="2147483648"/>
         </pc:sldMasterMkLst>
         <pc:spChg chg="mod">
-          <ac:chgData name="Pyrcz, Michael" userId="0efd8a38-3f8e-46fd-9886-7800c0196e80" providerId="ADAL" clId="{BEF10F25-9755-431E-8E6C-53414F5EAA25}" dt="2022-03-23T21:51:47.969" v="17" actId="20577"/>
+          <ac:chgData name="Pyrcz, Michael" userId="0efd8a38-3f8e-46fd-9886-7800c0196e80" providerId="ADAL" clId="{13E7FD69-2399-4103-8E19-1A4A7BF40878}" dt="2023-01-19T18:45:22.012" v="39" actId="20577"/>
           <ac:spMkLst>
             <pc:docMk/>
             <pc:sldMasterMk cId="0" sldId="2147483648"/>
@@ -217,6 +217,9 @@
         </pc:spChg>
       </pc:sldMasterChg>
     </pc:docChg>
+  </pc:docChgLst>
+  <pc:docChgLst>
+    <pc:chgData name="Pyrcz, Michael" userId="0efd8a38-3f8e-46fd-9886-7800c0196e80" providerId="ADAL" clId="{BEF10F25-9755-431E-8E6C-53414F5EAA25}"/>
   </pc:docChgLst>
 </pc:chgInfo>
 </file>
@@ -303,7 +306,7 @@
           <a:p>
             <a:fld id="{1F55A2F7-1CB2-9A4A-A317-46954273A428}" type="datetimeFigureOut">
               <a:rPr lang="en-US" smtClean="0"/>
-              <a:t>3/23/2022</a:t>
+              <a:t>1/19/2023</a:t>
             </a:fld>
             <a:endParaRPr lang="en-US"/>
           </a:p>
@@ -945,17 +948,17 @@
           <a:noFill/>
           <a:extLst>
             <a:ext uri="{FAA26D3D-D897-4be2-8F04-BA451C77F1D7}">
-              <ma14:placeholderFlag xmlns:ma14="http://schemas.microsoft.com/office/mac/drawingml/2011/main" xmlns="" val="1"/>
+              <ma14:placeholderFlag xmlns="" xmlns:ma14="http://schemas.microsoft.com/office/mac/drawingml/2011/main" val="1"/>
             </a:ext>
             <a:ext uri="{909E8E84-426E-40dd-AFC4-6F175D3DCCD1}">
-              <a14:hiddenFill xmlns="" xmlns:a14="http://schemas.microsoft.com/office/drawing/2010/main">
+              <a14:hiddenFill xmlns:a14="http://schemas.microsoft.com/office/drawing/2010/main" xmlns="">
                 <a:solidFill>
                   <a:srgbClr val="FFFFFF"/>
                 </a:solidFill>
               </a14:hiddenFill>
             </a:ext>
             <a:ext uri="{91240B29-F687-4f45-9708-019B960494DF}">
-              <a14:hiddenLine xmlns="" xmlns:a14="http://schemas.microsoft.com/office/drawing/2010/main" w="9525">
+              <a14:hiddenLine xmlns:a14="http://schemas.microsoft.com/office/drawing/2010/main" xmlns="" w="9525">
                 <a:solidFill>
                   <a:srgbClr val="000000"/>
                 </a:solidFill>
@@ -1097,17 +1100,17 @@
           <a:noFill/>
           <a:extLst>
             <a:ext uri="{FAA26D3D-D897-4be2-8F04-BA451C77F1D7}">
-              <ma14:placeholderFlag xmlns:ma14="http://schemas.microsoft.com/office/mac/drawingml/2011/main" xmlns="" val="1"/>
+              <ma14:placeholderFlag xmlns="" xmlns:ma14="http://schemas.microsoft.com/office/mac/drawingml/2011/main" val="1"/>
             </a:ext>
             <a:ext uri="{909E8E84-426E-40dd-AFC4-6F175D3DCCD1}">
-              <a14:hiddenFill xmlns="" xmlns:a14="http://schemas.microsoft.com/office/drawing/2010/main">
+              <a14:hiddenFill xmlns:a14="http://schemas.microsoft.com/office/drawing/2010/main" xmlns="">
                 <a:solidFill>
                   <a:srgbClr val="FFFFFF"/>
                 </a:solidFill>
               </a14:hiddenFill>
             </a:ext>
             <a:ext uri="{91240B29-F687-4f45-9708-019B960494DF}">
-              <a14:hiddenLine xmlns="" xmlns:a14="http://schemas.microsoft.com/office/drawing/2010/main" w="9525">
+              <a14:hiddenLine xmlns:a14="http://schemas.microsoft.com/office/drawing/2010/main" xmlns="" w="9525">
                 <a:solidFill>
                   <a:srgbClr val="000000"/>
                 </a:solidFill>
@@ -1248,17 +1251,17 @@
           <a:noFill/>
           <a:extLst>
             <a:ext uri="{FAA26D3D-D897-4be2-8F04-BA451C77F1D7}">
-              <ma14:placeholderFlag xmlns:ma14="http://schemas.microsoft.com/office/mac/drawingml/2011/main" xmlns="" val="1"/>
+              <ma14:placeholderFlag xmlns="" xmlns:ma14="http://schemas.microsoft.com/office/mac/drawingml/2011/main" val="1"/>
             </a:ext>
             <a:ext uri="{909E8E84-426E-40dd-AFC4-6F175D3DCCD1}">
-              <a14:hiddenFill xmlns="" xmlns:a14="http://schemas.microsoft.com/office/drawing/2010/main">
+              <a14:hiddenFill xmlns:a14="http://schemas.microsoft.com/office/drawing/2010/main" xmlns="">
                 <a:solidFill>
                   <a:srgbClr val="FFFFFF"/>
                 </a:solidFill>
               </a14:hiddenFill>
             </a:ext>
             <a:ext uri="{91240B29-F687-4f45-9708-019B960494DF}">
-              <a14:hiddenLine xmlns="" xmlns:a14="http://schemas.microsoft.com/office/drawing/2010/main" w="9525">
+              <a14:hiddenLine xmlns:a14="http://schemas.microsoft.com/office/drawing/2010/main" xmlns="" w="9525">
                 <a:solidFill>
                   <a:srgbClr val="000000"/>
                 </a:solidFill>
@@ -1537,14 +1540,14 @@
           </a:ln>
           <a:extLst>
             <a:ext uri="{909E8E84-426E-40dd-AFC4-6F175D3DCCD1}">
-              <a14:hiddenFill xmlns="" xmlns:a14="http://schemas.microsoft.com/office/drawing/2010/main">
+              <a14:hiddenFill xmlns:a14="http://schemas.microsoft.com/office/drawing/2010/main" xmlns="">
                 <a:solidFill>
                   <a:srgbClr val="FFFFFF"/>
                 </a:solidFill>
               </a14:hiddenFill>
             </a:ext>
             <a:ext uri="{91240B29-F687-4f45-9708-019B960494DF}">
-              <a14:hiddenLine xmlns="" xmlns:a14="http://schemas.microsoft.com/office/drawing/2010/main" w="9525">
+              <a14:hiddenLine xmlns:a14="http://schemas.microsoft.com/office/drawing/2010/main" xmlns="" w="9525">
                 <a:solidFill>
                   <a:srgbClr val="000000"/>
                 </a:solidFill>
@@ -1607,17 +1610,17 @@
           <a:noFill/>
           <a:extLst>
             <a:ext uri="{FAA26D3D-D897-4be2-8F04-BA451C77F1D7}">
-              <ma14:placeholderFlag xmlns:ma14="http://schemas.microsoft.com/office/mac/drawingml/2011/main" xmlns="" val="1"/>
+              <ma14:placeholderFlag xmlns="" xmlns:ma14="http://schemas.microsoft.com/office/mac/drawingml/2011/main" val="1"/>
             </a:ext>
             <a:ext uri="{909E8E84-426E-40dd-AFC4-6F175D3DCCD1}">
-              <a14:hiddenFill xmlns="" xmlns:a14="http://schemas.microsoft.com/office/drawing/2010/main">
+              <a14:hiddenFill xmlns:a14="http://schemas.microsoft.com/office/drawing/2010/main" xmlns="">
                 <a:solidFill>
                   <a:srgbClr val="FFFFFF"/>
                 </a:solidFill>
               </a14:hiddenFill>
             </a:ext>
             <a:ext uri="{91240B29-F687-4f45-9708-019B960494DF}">
-              <a14:hiddenLine xmlns="" xmlns:a14="http://schemas.microsoft.com/office/drawing/2010/main" w="9525">
+              <a14:hiddenLine xmlns:a14="http://schemas.microsoft.com/office/drawing/2010/main" xmlns="" w="9525">
                 <a:solidFill>
                   <a:srgbClr val="000000"/>
                 </a:solidFill>
@@ -1758,17 +1761,17 @@
           <a:noFill/>
           <a:extLst>
             <a:ext uri="{FAA26D3D-D897-4be2-8F04-BA451C77F1D7}">
-              <ma14:placeholderFlag xmlns:ma14="http://schemas.microsoft.com/office/mac/drawingml/2011/main" xmlns="" val="1"/>
+              <ma14:placeholderFlag xmlns="" xmlns:ma14="http://schemas.microsoft.com/office/mac/drawingml/2011/main" val="1"/>
             </a:ext>
             <a:ext uri="{909E8E84-426E-40dd-AFC4-6F175D3DCCD1}">
-              <a14:hiddenFill xmlns="" xmlns:a14="http://schemas.microsoft.com/office/drawing/2010/main">
+              <a14:hiddenFill xmlns:a14="http://schemas.microsoft.com/office/drawing/2010/main" xmlns="">
                 <a:solidFill>
                   <a:srgbClr val="FFFFFF"/>
                 </a:solidFill>
               </a14:hiddenFill>
             </a:ext>
             <a:ext uri="{91240B29-F687-4f45-9708-019B960494DF}">
-              <a14:hiddenLine xmlns="" xmlns:a14="http://schemas.microsoft.com/office/drawing/2010/main" w="9525">
+              <a14:hiddenLine xmlns:a14="http://schemas.microsoft.com/office/drawing/2010/main" xmlns="" w="9525">
                 <a:solidFill>
                   <a:srgbClr val="000000"/>
                 </a:solidFill>
@@ -1940,17 +1943,17 @@
           <a:noFill/>
           <a:extLst>
             <a:ext uri="{FAA26D3D-D897-4be2-8F04-BA451C77F1D7}">
-              <ma14:placeholderFlag xmlns:ma14="http://schemas.microsoft.com/office/mac/drawingml/2011/main" xmlns="" val="1"/>
+              <ma14:placeholderFlag xmlns="" xmlns:ma14="http://schemas.microsoft.com/office/mac/drawingml/2011/main" val="1"/>
             </a:ext>
             <a:ext uri="{909E8E84-426E-40dd-AFC4-6F175D3DCCD1}">
-              <a14:hiddenFill xmlns="" xmlns:a14="http://schemas.microsoft.com/office/drawing/2010/main">
+              <a14:hiddenFill xmlns:a14="http://schemas.microsoft.com/office/drawing/2010/main" xmlns="">
                 <a:solidFill>
                   <a:srgbClr val="FFFFFF"/>
                 </a:solidFill>
               </a14:hiddenFill>
             </a:ext>
             <a:ext uri="{91240B29-F687-4f45-9708-019B960494DF}">
-              <a14:hiddenLine xmlns="" xmlns:a14="http://schemas.microsoft.com/office/drawing/2010/main" w="9525">
+              <a14:hiddenLine xmlns:a14="http://schemas.microsoft.com/office/drawing/2010/main" xmlns="" w="9525">
                 <a:solidFill>
                   <a:srgbClr val="000000"/>
                 </a:solidFill>
@@ -2235,7 +2238,7 @@
                 <a:latin typeface="Arial" panose="020B0604020202020204" pitchFamily="34" charset="0"/>
                 <a:cs typeface="Arial" panose="020B0604020202020204" pitchFamily="34" charset="0"/>
               </a:rPr>
-              <a:t>Hackathon 2022</a:t>
+              <a:t>Hackathon 2023</a:t>
             </a:r>
             <a:endParaRPr lang="en-US" sz="2800" dirty="0">
               <a:solidFill>
@@ -3141,7 +3144,7 @@
                 <a:latin typeface="+mn-lt"/>
                 <a:cs typeface="Arial" panose="020B0604020202020204" pitchFamily="34" charset="0"/>
               </a:rPr>
-              <a:t>March 27</a:t>
+              <a:t>January 22</a:t>
             </a:r>
             <a:r>
               <a:rPr lang="en-US" sz="1800" b="1" baseline="30000">
@@ -3711,8 +3714,8 @@
         </p:nvSpPr>
         <p:spPr>
           <a:xfrm>
-            <a:off x="506027" y="857928"/>
-            <a:ext cx="8043169" cy="2677656"/>
+            <a:off x="1056443" y="857928"/>
+            <a:ext cx="7324078" cy="3293209"/>
           </a:xfrm>
           <a:prstGeom prst="rect">
             <a:avLst/>
@@ -3762,7 +3765,24 @@
                 <a:latin typeface="+mn-lt"/>
                 <a:cs typeface="Arial" panose="020B0604020202020204" pitchFamily="34" charset="0"/>
               </a:rPr>
-              <a:t>your 3 infill well locations (location map) and predicted 2 year production for your wells. </a:t>
+              <a:t>your predictions for ESPs to fail and NOT                                             fail over the next 30 days. </a:t>
+            </a:r>
+          </a:p>
+          <a:p>
+            <a:pPr algn="ctr"/>
+            <a:endParaRPr lang="en-US" sz="2000" b="1">
+              <a:latin typeface="+mn-lt"/>
+              <a:cs typeface="Arial" panose="020B0604020202020204" pitchFamily="34" charset="0"/>
+            </a:endParaRPr>
+          </a:p>
+          <a:p>
+            <a:pPr algn="ctr"/>
+            <a:r>
+              <a:rPr lang="en-US" sz="2000" b="1">
+                <a:latin typeface="+mn-lt"/>
+                <a:cs typeface="Arial" panose="020B0604020202020204" pitchFamily="34" charset="0"/>
+              </a:rPr>
+              <a:t>Recall the ESPs are listed in data/solution.csv</a:t>
             </a:r>
             <a:endParaRPr lang="en-US" sz="2000" b="1" dirty="0">
               <a:latin typeface="+mn-lt"/>
@@ -3779,18 +3799,25 @@
           <a:p>
             <a:pPr algn="ctr"/>
             <a:r>
+              <a:rPr lang="en-US" sz="2000" b="1">
+                <a:latin typeface="+mn-lt"/>
+                <a:cs typeface="Arial" panose="020B0604020202020204" pitchFamily="34" charset="0"/>
+              </a:rPr>
+              <a:t>Use table, graphs </a:t>
+            </a:r>
+            <a:r>
               <a:rPr lang="en-US" sz="2000" b="1" dirty="0">
                 <a:latin typeface="+mn-lt"/>
                 <a:cs typeface="Arial" panose="020B0604020202020204" pitchFamily="34" charset="0"/>
               </a:rPr>
-              <a:t>Use table / map / distributions to communicate the </a:t>
+              <a:t>to communicate the </a:t>
             </a:r>
             <a:r>
               <a:rPr lang="en-US" sz="2000" b="1">
                 <a:latin typeface="+mn-lt"/>
                 <a:cs typeface="Arial" panose="020B0604020202020204" pitchFamily="34" charset="0"/>
               </a:rPr>
-              <a:t>model predictions, modeling tuning etc.</a:t>
+              <a:t>model predictions, modeling tuning, feature engineering and importance, etc.</a:t>
             </a:r>
             <a:endParaRPr lang="en-US" sz="1800" b="1" dirty="0">
               <a:latin typeface="+mn-lt"/>

--- a/Hackathon_PresentationTemplate.pptx
+++ b/Hackathon_PresentationTemplate.pptx
@@ -166,19 +166,30 @@
 <pc:chgInfo xmlns:a="http://schemas.openxmlformats.org/drawingml/2006/main" xmlns:r="http://schemas.openxmlformats.org/officeDocument/2006/relationships" xmlns:ac="http://schemas.microsoft.com/office/drawing/2013/main/command" xmlns:pc="http://schemas.microsoft.com/office/powerpoint/2013/main/command">
   <pc:docChgLst>
     <pc:chgData name="Pyrcz, Michael" userId="0efd8a38-3f8e-46fd-9886-7800c0196e80" providerId="ADAL" clId="{13E7FD69-2399-4103-8E19-1A4A7BF40878}"/>
-    <pc:docChg chg="undo modSld modMainMaster">
-      <pc:chgData name="Pyrcz, Michael" userId="0efd8a38-3f8e-46fd-9886-7800c0196e80" providerId="ADAL" clId="{13E7FD69-2399-4103-8E19-1A4A7BF40878}" dt="2023-01-19T18:48:34.331" v="287" actId="20577"/>
+  </pc:docChgLst>
+  <pc:docChgLst>
+    <pc:chgData name="Pyrcz, Michael" userId="0efd8a38-3f8e-46fd-9886-7800c0196e80" providerId="ADAL" clId="{F9708F9E-5A85-4D60-AECF-A370A7B76082}"/>
+    <pc:docChg chg="custSel modSld modMainMaster">
+      <pc:chgData name="Pyrcz, Michael" userId="0efd8a38-3f8e-46fd-9886-7800c0196e80" providerId="ADAL" clId="{F9708F9E-5A85-4D60-AECF-A370A7B76082}" dt="2024-01-20T16:44:42.386" v="166" actId="20577"/>
       <pc:docMkLst>
         <pc:docMk/>
       </pc:docMkLst>
       <pc:sldChg chg="modSp">
-        <pc:chgData name="Pyrcz, Michael" userId="0efd8a38-3f8e-46fd-9886-7800c0196e80" providerId="ADAL" clId="{13E7FD69-2399-4103-8E19-1A4A7BF40878}" dt="2023-01-19T18:44:45.963" v="37" actId="20577"/>
+        <pc:chgData name="Pyrcz, Michael" userId="0efd8a38-3f8e-46fd-9886-7800c0196e80" providerId="ADAL" clId="{F9708F9E-5A85-4D60-AECF-A370A7B76082}" dt="2024-01-20T16:42:38.554" v="14" actId="1076"/>
         <pc:sldMkLst>
           <pc:docMk/>
           <pc:sldMk cId="0" sldId="263"/>
         </pc:sldMkLst>
         <pc:spChg chg="mod">
-          <ac:chgData name="Pyrcz, Michael" userId="0efd8a38-3f8e-46fd-9886-7800c0196e80" providerId="ADAL" clId="{13E7FD69-2399-4103-8E19-1A4A7BF40878}" dt="2023-01-19T18:44:45.963" v="37" actId="20577"/>
+          <ac:chgData name="Pyrcz, Michael" userId="0efd8a38-3f8e-46fd-9886-7800c0196e80" providerId="ADAL" clId="{F9708F9E-5A85-4D60-AECF-A370A7B76082}" dt="2024-01-20T16:42:38.554" v="14" actId="1076"/>
+          <ac:spMkLst>
+            <pc:docMk/>
+            <pc:sldMk cId="0" sldId="263"/>
+            <ac:spMk id="2" creationId="{42365954-A42F-437F-828E-34290C82D61E}"/>
+          </ac:spMkLst>
+        </pc:spChg>
+        <pc:spChg chg="mod">
+          <ac:chgData name="Pyrcz, Michael" userId="0efd8a38-3f8e-46fd-9886-7800c0196e80" providerId="ADAL" clId="{F9708F9E-5A85-4D60-AECF-A370A7B76082}" dt="2024-01-20T16:42:21.900" v="3" actId="20577"/>
           <ac:spMkLst>
             <pc:docMk/>
             <pc:sldMk cId="0" sldId="263"/>
@@ -187,13 +198,13 @@
         </pc:spChg>
       </pc:sldChg>
       <pc:sldChg chg="modSp">
-        <pc:chgData name="Pyrcz, Michael" userId="0efd8a38-3f8e-46fd-9886-7800c0196e80" providerId="ADAL" clId="{13E7FD69-2399-4103-8E19-1A4A7BF40878}" dt="2023-01-19T18:48:34.331" v="287" actId="20577"/>
+        <pc:chgData name="Pyrcz, Michael" userId="0efd8a38-3f8e-46fd-9886-7800c0196e80" providerId="ADAL" clId="{F9708F9E-5A85-4D60-AECF-A370A7B76082}" dt="2024-01-20T16:44:42.386" v="166" actId="20577"/>
         <pc:sldMkLst>
           <pc:docMk/>
           <pc:sldMk cId="2036120476" sldId="267"/>
         </pc:sldMkLst>
         <pc:spChg chg="mod">
-          <ac:chgData name="Pyrcz, Michael" userId="0efd8a38-3f8e-46fd-9886-7800c0196e80" providerId="ADAL" clId="{13E7FD69-2399-4103-8E19-1A4A7BF40878}" dt="2023-01-19T18:48:34.331" v="287" actId="20577"/>
+          <ac:chgData name="Pyrcz, Michael" userId="0efd8a38-3f8e-46fd-9886-7800c0196e80" providerId="ADAL" clId="{F9708F9E-5A85-4D60-AECF-A370A7B76082}" dt="2024-01-20T16:44:42.386" v="166" actId="20577"/>
           <ac:spMkLst>
             <pc:docMk/>
             <pc:sldMk cId="2036120476" sldId="267"/>
@@ -202,13 +213,13 @@
         </pc:spChg>
       </pc:sldChg>
       <pc:sldMasterChg chg="modSp">
-        <pc:chgData name="Pyrcz, Michael" userId="0efd8a38-3f8e-46fd-9886-7800c0196e80" providerId="ADAL" clId="{13E7FD69-2399-4103-8E19-1A4A7BF40878}" dt="2023-01-19T18:45:22.012" v="39" actId="20577"/>
+        <pc:chgData name="Pyrcz, Michael" userId="0efd8a38-3f8e-46fd-9886-7800c0196e80" providerId="ADAL" clId="{F9708F9E-5A85-4D60-AECF-A370A7B76082}" dt="2024-01-20T16:43:05.669" v="26" actId="20577"/>
         <pc:sldMasterMkLst>
           <pc:docMk/>
           <pc:sldMasterMk cId="0" sldId="2147483648"/>
         </pc:sldMasterMkLst>
         <pc:spChg chg="mod">
-          <ac:chgData name="Pyrcz, Michael" userId="0efd8a38-3f8e-46fd-9886-7800c0196e80" providerId="ADAL" clId="{13E7FD69-2399-4103-8E19-1A4A7BF40878}" dt="2023-01-19T18:45:22.012" v="39" actId="20577"/>
+          <ac:chgData name="Pyrcz, Michael" userId="0efd8a38-3f8e-46fd-9886-7800c0196e80" providerId="ADAL" clId="{F9708F9E-5A85-4D60-AECF-A370A7B76082}" dt="2024-01-20T16:43:05.669" v="26" actId="20577"/>
           <ac:spMkLst>
             <pc:docMk/>
             <pc:sldMasterMk cId="0" sldId="2147483648"/>
@@ -306,7 +317,7 @@
           <a:p>
             <a:fld id="{1F55A2F7-1CB2-9A4A-A317-46954273A428}" type="datetimeFigureOut">
               <a:rPr lang="en-US" smtClean="0"/>
-              <a:t>1/19/2023</a:t>
+              <a:t>1/20/2024</a:t>
             </a:fld>
             <a:endParaRPr lang="en-US"/>
           </a:p>
@@ -948,17 +959,17 @@
           <a:noFill/>
           <a:extLst>
             <a:ext uri="{FAA26D3D-D897-4be2-8F04-BA451C77F1D7}">
-              <ma14:placeholderFlag xmlns="" xmlns:ma14="http://schemas.microsoft.com/office/mac/drawingml/2011/main" val="1"/>
+              <ma14:placeholderFlag xmlns:ma14="http://schemas.microsoft.com/office/mac/drawingml/2011/main" xmlns="" val="1"/>
             </a:ext>
             <a:ext uri="{909E8E84-426E-40dd-AFC4-6F175D3DCCD1}">
-              <a14:hiddenFill xmlns:a14="http://schemas.microsoft.com/office/drawing/2010/main" xmlns="">
+              <a14:hiddenFill xmlns="" xmlns:a14="http://schemas.microsoft.com/office/drawing/2010/main">
                 <a:solidFill>
                   <a:srgbClr val="FFFFFF"/>
                 </a:solidFill>
               </a14:hiddenFill>
             </a:ext>
             <a:ext uri="{91240B29-F687-4f45-9708-019B960494DF}">
-              <a14:hiddenLine xmlns:a14="http://schemas.microsoft.com/office/drawing/2010/main" xmlns="" w="9525">
+              <a14:hiddenLine xmlns="" xmlns:a14="http://schemas.microsoft.com/office/drawing/2010/main" w="9525">
                 <a:solidFill>
                   <a:srgbClr val="000000"/>
                 </a:solidFill>
@@ -1100,17 +1111,17 @@
           <a:noFill/>
           <a:extLst>
             <a:ext uri="{FAA26D3D-D897-4be2-8F04-BA451C77F1D7}">
-              <ma14:placeholderFlag xmlns="" xmlns:ma14="http://schemas.microsoft.com/office/mac/drawingml/2011/main" val="1"/>
+              <ma14:placeholderFlag xmlns:ma14="http://schemas.microsoft.com/office/mac/drawingml/2011/main" xmlns="" val="1"/>
             </a:ext>
             <a:ext uri="{909E8E84-426E-40dd-AFC4-6F175D3DCCD1}">
-              <a14:hiddenFill xmlns:a14="http://schemas.microsoft.com/office/drawing/2010/main" xmlns="">
+              <a14:hiddenFill xmlns="" xmlns:a14="http://schemas.microsoft.com/office/drawing/2010/main">
                 <a:solidFill>
                   <a:srgbClr val="FFFFFF"/>
                 </a:solidFill>
               </a14:hiddenFill>
             </a:ext>
             <a:ext uri="{91240B29-F687-4f45-9708-019B960494DF}">
-              <a14:hiddenLine xmlns:a14="http://schemas.microsoft.com/office/drawing/2010/main" xmlns="" w="9525">
+              <a14:hiddenLine xmlns="" xmlns:a14="http://schemas.microsoft.com/office/drawing/2010/main" w="9525">
                 <a:solidFill>
                   <a:srgbClr val="000000"/>
                 </a:solidFill>
@@ -1251,17 +1262,17 @@
           <a:noFill/>
           <a:extLst>
             <a:ext uri="{FAA26D3D-D897-4be2-8F04-BA451C77F1D7}">
-              <ma14:placeholderFlag xmlns="" xmlns:ma14="http://schemas.microsoft.com/office/mac/drawingml/2011/main" val="1"/>
+              <ma14:placeholderFlag xmlns:ma14="http://schemas.microsoft.com/office/mac/drawingml/2011/main" xmlns="" val="1"/>
             </a:ext>
             <a:ext uri="{909E8E84-426E-40dd-AFC4-6F175D3DCCD1}">
-              <a14:hiddenFill xmlns:a14="http://schemas.microsoft.com/office/drawing/2010/main" xmlns="">
+              <a14:hiddenFill xmlns="" xmlns:a14="http://schemas.microsoft.com/office/drawing/2010/main">
                 <a:solidFill>
                   <a:srgbClr val="FFFFFF"/>
                 </a:solidFill>
               </a14:hiddenFill>
             </a:ext>
             <a:ext uri="{91240B29-F687-4f45-9708-019B960494DF}">
-              <a14:hiddenLine xmlns:a14="http://schemas.microsoft.com/office/drawing/2010/main" xmlns="" w="9525">
+              <a14:hiddenLine xmlns="" xmlns:a14="http://schemas.microsoft.com/office/drawing/2010/main" w="9525">
                 <a:solidFill>
                   <a:srgbClr val="000000"/>
                 </a:solidFill>
@@ -1540,14 +1551,14 @@
           </a:ln>
           <a:extLst>
             <a:ext uri="{909E8E84-426E-40dd-AFC4-6F175D3DCCD1}">
-              <a14:hiddenFill xmlns:a14="http://schemas.microsoft.com/office/drawing/2010/main" xmlns="">
+              <a14:hiddenFill xmlns="" xmlns:a14="http://schemas.microsoft.com/office/drawing/2010/main">
                 <a:solidFill>
                   <a:srgbClr val="FFFFFF"/>
                 </a:solidFill>
               </a14:hiddenFill>
             </a:ext>
             <a:ext uri="{91240B29-F687-4f45-9708-019B960494DF}">
-              <a14:hiddenLine xmlns:a14="http://schemas.microsoft.com/office/drawing/2010/main" xmlns="" w="9525">
+              <a14:hiddenLine xmlns="" xmlns:a14="http://schemas.microsoft.com/office/drawing/2010/main" w="9525">
                 <a:solidFill>
                   <a:srgbClr val="000000"/>
                 </a:solidFill>
@@ -1610,17 +1621,17 @@
           <a:noFill/>
           <a:extLst>
             <a:ext uri="{FAA26D3D-D897-4be2-8F04-BA451C77F1D7}">
-              <ma14:placeholderFlag xmlns="" xmlns:ma14="http://schemas.microsoft.com/office/mac/drawingml/2011/main" val="1"/>
+              <ma14:placeholderFlag xmlns:ma14="http://schemas.microsoft.com/office/mac/drawingml/2011/main" xmlns="" val="1"/>
             </a:ext>
             <a:ext uri="{909E8E84-426E-40dd-AFC4-6F175D3DCCD1}">
-              <a14:hiddenFill xmlns:a14="http://schemas.microsoft.com/office/drawing/2010/main" xmlns="">
+              <a14:hiddenFill xmlns="" xmlns:a14="http://schemas.microsoft.com/office/drawing/2010/main">
                 <a:solidFill>
                   <a:srgbClr val="FFFFFF"/>
                 </a:solidFill>
               </a14:hiddenFill>
             </a:ext>
             <a:ext uri="{91240B29-F687-4f45-9708-019B960494DF}">
-              <a14:hiddenLine xmlns:a14="http://schemas.microsoft.com/office/drawing/2010/main" xmlns="" w="9525">
+              <a14:hiddenLine xmlns="" xmlns:a14="http://schemas.microsoft.com/office/drawing/2010/main" w="9525">
                 <a:solidFill>
                   <a:srgbClr val="000000"/>
                 </a:solidFill>
@@ -1761,17 +1772,17 @@
           <a:noFill/>
           <a:extLst>
             <a:ext uri="{FAA26D3D-D897-4be2-8F04-BA451C77F1D7}">
-              <ma14:placeholderFlag xmlns="" xmlns:ma14="http://schemas.microsoft.com/office/mac/drawingml/2011/main" val="1"/>
+              <ma14:placeholderFlag xmlns:ma14="http://schemas.microsoft.com/office/mac/drawingml/2011/main" xmlns="" val="1"/>
             </a:ext>
             <a:ext uri="{909E8E84-426E-40dd-AFC4-6F175D3DCCD1}">
-              <a14:hiddenFill xmlns:a14="http://schemas.microsoft.com/office/drawing/2010/main" xmlns="">
+              <a14:hiddenFill xmlns="" xmlns:a14="http://schemas.microsoft.com/office/drawing/2010/main">
                 <a:solidFill>
                   <a:srgbClr val="FFFFFF"/>
                 </a:solidFill>
               </a14:hiddenFill>
             </a:ext>
             <a:ext uri="{91240B29-F687-4f45-9708-019B960494DF}">
-              <a14:hiddenLine xmlns:a14="http://schemas.microsoft.com/office/drawing/2010/main" xmlns="" w="9525">
+              <a14:hiddenLine xmlns="" xmlns:a14="http://schemas.microsoft.com/office/drawing/2010/main" w="9525">
                 <a:solidFill>
                   <a:srgbClr val="000000"/>
                 </a:solidFill>
@@ -1943,17 +1954,17 @@
           <a:noFill/>
           <a:extLst>
             <a:ext uri="{FAA26D3D-D897-4be2-8F04-BA451C77F1D7}">
-              <ma14:placeholderFlag xmlns="" xmlns:ma14="http://schemas.microsoft.com/office/mac/drawingml/2011/main" val="1"/>
+              <ma14:placeholderFlag xmlns:ma14="http://schemas.microsoft.com/office/mac/drawingml/2011/main" xmlns="" val="1"/>
             </a:ext>
             <a:ext uri="{909E8E84-426E-40dd-AFC4-6F175D3DCCD1}">
-              <a14:hiddenFill xmlns:a14="http://schemas.microsoft.com/office/drawing/2010/main" xmlns="">
+              <a14:hiddenFill xmlns="" xmlns:a14="http://schemas.microsoft.com/office/drawing/2010/main">
                 <a:solidFill>
                   <a:srgbClr val="FFFFFF"/>
                 </a:solidFill>
               </a14:hiddenFill>
             </a:ext>
             <a:ext uri="{91240B29-F687-4f45-9708-019B960494DF}">
-              <a14:hiddenLine xmlns:a14="http://schemas.microsoft.com/office/drawing/2010/main" xmlns="" w="9525">
+              <a14:hiddenLine xmlns="" xmlns:a14="http://schemas.microsoft.com/office/drawing/2010/main" w="9525">
                 <a:solidFill>
                   <a:srgbClr val="000000"/>
                 </a:solidFill>
@@ -2207,7 +2218,7 @@
         <p:spPr>
           <a:xfrm>
             <a:off x="3205467" y="57178"/>
-            <a:ext cx="4661276" cy="523220"/>
+            <a:ext cx="4760662" cy="523220"/>
           </a:xfrm>
           <a:prstGeom prst="rect">
             <a:avLst/>
@@ -2228,7 +2239,7 @@
                 <a:latin typeface="Arial" panose="020B0604020202020204" pitchFamily="34" charset="0"/>
                 <a:cs typeface="Arial" panose="020B0604020202020204" pitchFamily="34" charset="0"/>
               </a:rPr>
-              <a:t>Energy A.I. </a:t>
+              <a:t>Energy A.I</a:t>
             </a:r>
             <a:r>
               <a:rPr lang="en-US" sz="2800">
@@ -2238,7 +2249,7 @@
                 <a:latin typeface="Arial" panose="020B0604020202020204" pitchFamily="34" charset="0"/>
                 <a:cs typeface="Arial" panose="020B0604020202020204" pitchFamily="34" charset="0"/>
               </a:rPr>
-              <a:t>Hackathon 2023</a:t>
+              <a:t>. 2024 Hackathon</a:t>
             </a:r>
             <a:endParaRPr lang="en-US" sz="2800" dirty="0">
               <a:solidFill>
@@ -3144,7 +3155,7 @@
                 <a:latin typeface="+mn-lt"/>
                 <a:cs typeface="Arial" panose="020B0604020202020204" pitchFamily="34" charset="0"/>
               </a:rPr>
-              <a:t>January 22</a:t>
+              <a:t>January 21</a:t>
             </a:r>
             <a:r>
               <a:rPr lang="en-US" sz="1800" b="1" baseline="30000">
@@ -3158,7 +3169,7 @@
                 <a:latin typeface="+mn-lt"/>
                 <a:cs typeface="Arial" panose="020B0604020202020204" pitchFamily="34" charset="0"/>
               </a:rPr>
-              <a:t>, 2022</a:t>
+              <a:t>, 2024</a:t>
             </a:r>
             <a:endParaRPr lang="en-US" sz="1800" b="1" dirty="0">
               <a:latin typeface="+mn-lt"/>
@@ -3242,8 +3253,8 @@
         </p:nvSpPr>
         <p:spPr>
           <a:xfrm>
-            <a:off x="2388093" y="6329805"/>
-            <a:ext cx="6637266" cy="461665"/>
+            <a:off x="1009724" y="6329805"/>
+            <a:ext cx="7116243" cy="461665"/>
           </a:xfrm>
           <a:prstGeom prst="rect">
             <a:avLst/>
@@ -3262,7 +3273,39 @@
                   <a:srgbClr val="FFFF00"/>
                 </a:highlight>
               </a:rPr>
-              <a:t>Note, you will have less than 10 minutes to present.</a:t>
+              <a:t>Note, you </a:t>
+            </a:r>
+            <a:r>
+              <a:rPr lang="en-US">
+                <a:highlight>
+                  <a:srgbClr val="FFFF00"/>
+                </a:highlight>
+              </a:rPr>
+              <a:t>will likely have </a:t>
+            </a:r>
+            <a:r>
+              <a:rPr lang="en-US" dirty="0">
+                <a:highlight>
+                  <a:srgbClr val="FFFF00"/>
+                </a:highlight>
+              </a:rPr>
+              <a:t>less </a:t>
+            </a:r>
+            <a:r>
+              <a:rPr lang="en-US">
+                <a:highlight>
+                  <a:srgbClr val="FFFF00"/>
+                </a:highlight>
+              </a:rPr>
+              <a:t>than 5 </a:t>
+            </a:r>
+            <a:r>
+              <a:rPr lang="en-US" dirty="0">
+                <a:highlight>
+                  <a:srgbClr val="FFFF00"/>
+                </a:highlight>
+              </a:rPr>
+              <a:t>minutes to present.</a:t>
             </a:r>
           </a:p>
         </p:txBody>
@@ -3715,7 +3758,7 @@
         <p:spPr>
           <a:xfrm>
             <a:off x="1056443" y="857928"/>
-            <a:ext cx="7324078" cy="3293209"/>
+            <a:ext cx="7324078" cy="3600986"/>
           </a:xfrm>
           <a:prstGeom prst="rect">
             <a:avLst/>
@@ -3765,7 +3808,7 @@
                 <a:latin typeface="+mn-lt"/>
                 <a:cs typeface="Arial" panose="020B0604020202020204" pitchFamily="34" charset="0"/>
               </a:rPr>
-              <a:t>your predictions for ESPs to fail and NOT                                             fail over the next 30 days. </a:t>
+              <a:t>your predictions and uncertainty models for the average pump difference for the 15 withheld wells. </a:t>
             </a:r>
           </a:p>
           <a:p>
@@ -3782,7 +3825,7 @@
                 <a:latin typeface="+mn-lt"/>
                 <a:cs typeface="Arial" panose="020B0604020202020204" pitchFamily="34" charset="0"/>
               </a:rPr>
-              <a:t>Recall the ESPs are listed in data/solution.csv</a:t>
+              <a:t>Recall the withheld wells are listed in data/solution.csv</a:t>
             </a:r>
             <a:endParaRPr lang="en-US" sz="2000" b="1" dirty="0">
               <a:latin typeface="+mn-lt"/>
@@ -3817,7 +3860,7 @@
                 <a:latin typeface="+mn-lt"/>
                 <a:cs typeface="Arial" panose="020B0604020202020204" pitchFamily="34" charset="0"/>
               </a:rPr>
-              <a:t>model predictions, modeling tuning, feature engineering and importance, etc.</a:t>
+              <a:t>model predictions and uncertainty models, modeling tuning, feature engineering and importance, etc.</a:t>
             </a:r>
             <a:endParaRPr lang="en-US" sz="1800" b="1" dirty="0">
               <a:latin typeface="+mn-lt"/>
